--- a/Design Demonstration.pptx
+++ b/Design Demonstration.pptx
@@ -207,7 +207,7 @@
           <a:p>
             <a:fld id="{0E0C8A5B-6CE0-490A-A6C0-FE2A2EE727BC}" type="datetimeFigureOut">
               <a:rPr lang="en-CA" smtClean="0"/>
-              <a:t>2025-11-22</a:t>
+              <a:t>2025-11-23</a:t>
             </a:fld>
             <a:endParaRPr lang="en-CA"/>
           </a:p>
@@ -2518,7 +2518,7 @@
           <a:p>
             <a:fld id="{D4F53733-03CD-4C94-AC3B-1554B331B698}" type="datetimeFigureOut">
               <a:rPr lang="en-CA" smtClean="0"/>
-              <a:t>2025-11-22</a:t>
+              <a:t>2025-11-23</a:t>
             </a:fld>
             <a:endParaRPr lang="en-CA"/>
           </a:p>
@@ -2718,7 +2718,7 @@
           <a:p>
             <a:fld id="{D4F53733-03CD-4C94-AC3B-1554B331B698}" type="datetimeFigureOut">
               <a:rPr lang="en-CA" smtClean="0"/>
-              <a:t>2025-11-22</a:t>
+              <a:t>2025-11-23</a:t>
             </a:fld>
             <a:endParaRPr lang="en-CA"/>
           </a:p>
@@ -2928,7 +2928,7 @@
           <a:p>
             <a:fld id="{D4F53733-03CD-4C94-AC3B-1554B331B698}" type="datetimeFigureOut">
               <a:rPr lang="en-CA" smtClean="0"/>
-              <a:t>2025-11-22</a:t>
+              <a:t>2025-11-23</a:t>
             </a:fld>
             <a:endParaRPr lang="en-CA"/>
           </a:p>
@@ -4866,7 +4866,7 @@
           <a:p>
             <a:fld id="{D4F53733-03CD-4C94-AC3B-1554B331B698}" type="datetimeFigureOut">
               <a:rPr lang="en-CA" smtClean="0"/>
-              <a:t>2025-11-22</a:t>
+              <a:t>2025-11-23</a:t>
             </a:fld>
             <a:endParaRPr lang="en-CA"/>
           </a:p>
@@ -5142,7 +5142,7 @@
           <a:p>
             <a:fld id="{D4F53733-03CD-4C94-AC3B-1554B331B698}" type="datetimeFigureOut">
               <a:rPr lang="en-CA" smtClean="0"/>
-              <a:t>2025-11-22</a:t>
+              <a:t>2025-11-23</a:t>
             </a:fld>
             <a:endParaRPr lang="en-CA"/>
           </a:p>
@@ -5410,7 +5410,7 @@
           <a:p>
             <a:fld id="{D4F53733-03CD-4C94-AC3B-1554B331B698}" type="datetimeFigureOut">
               <a:rPr lang="en-CA" smtClean="0"/>
-              <a:t>2025-11-22</a:t>
+              <a:t>2025-11-23</a:t>
             </a:fld>
             <a:endParaRPr lang="en-CA"/>
           </a:p>
@@ -5825,7 +5825,7 @@
           <a:p>
             <a:fld id="{D4F53733-03CD-4C94-AC3B-1554B331B698}" type="datetimeFigureOut">
               <a:rPr lang="en-CA" smtClean="0"/>
-              <a:t>2025-11-22</a:t>
+              <a:t>2025-11-23</a:t>
             </a:fld>
             <a:endParaRPr lang="en-CA"/>
           </a:p>
@@ -5967,7 +5967,7 @@
           <a:p>
             <a:fld id="{D4F53733-03CD-4C94-AC3B-1554B331B698}" type="datetimeFigureOut">
               <a:rPr lang="en-CA" smtClean="0"/>
-              <a:t>2025-11-22</a:t>
+              <a:t>2025-11-23</a:t>
             </a:fld>
             <a:endParaRPr lang="en-CA"/>
           </a:p>
@@ -6080,7 +6080,7 @@
           <a:p>
             <a:fld id="{D4F53733-03CD-4C94-AC3B-1554B331B698}" type="datetimeFigureOut">
               <a:rPr lang="en-CA" smtClean="0"/>
-              <a:t>2025-11-22</a:t>
+              <a:t>2025-11-23</a:t>
             </a:fld>
             <a:endParaRPr lang="en-CA"/>
           </a:p>
@@ -6393,7 +6393,7 @@
           <a:p>
             <a:fld id="{D4F53733-03CD-4C94-AC3B-1554B331B698}" type="datetimeFigureOut">
               <a:rPr lang="en-CA" smtClean="0"/>
-              <a:t>2025-11-22</a:t>
+              <a:t>2025-11-23</a:t>
             </a:fld>
             <a:endParaRPr lang="en-CA"/>
           </a:p>
@@ -6682,7 +6682,7 @@
           <a:p>
             <a:fld id="{D4F53733-03CD-4C94-AC3B-1554B331B698}" type="datetimeFigureOut">
               <a:rPr lang="en-CA" smtClean="0"/>
-              <a:t>2025-11-22</a:t>
+              <a:t>2025-11-23</a:t>
             </a:fld>
             <a:endParaRPr lang="en-CA"/>
           </a:p>
@@ -6925,7 +6925,7 @@
           <a:p>
             <a:fld id="{D4F53733-03CD-4C94-AC3B-1554B331B698}" type="datetimeFigureOut">
               <a:rPr lang="en-CA" smtClean="0"/>
-              <a:t>2025-11-22</a:t>
+              <a:t>2025-11-23</a:t>
             </a:fld>
             <a:endParaRPr lang="en-CA"/>
           </a:p>
@@ -7876,7 +7876,49 @@
                 <a:cs typeface="Calibri"/>
                 <a:sym typeface="Calibri"/>
               </a:rPr>
-              <a:t>Rerun experiment with a larger action space and conduct further analysis on experiment results.</a:t>
+              <a:t>Fix the accuracy bug in the </a:t>
+            </a:r>
+            <a:r>
+              <a:rPr lang="en-CA" sz="2000">
+                <a:latin typeface="Calibri"/>
+                <a:ea typeface="Calibri"/>
+                <a:cs typeface="Calibri"/>
+                <a:sym typeface="Calibri"/>
+              </a:rPr>
+              <a:t>prototype.</a:t>
+            </a:r>
+          </a:p>
+          <a:p>
+            <a:pPr marL="342900" lvl="0" indent="-342900" algn="l" rtl="0">
+              <a:lnSpc>
+                <a:spcPct val="90000"/>
+              </a:lnSpc>
+              <a:spcBef>
+                <a:spcPts val="1000"/>
+              </a:spcBef>
+              <a:spcAft>
+                <a:spcPts val="0"/>
+              </a:spcAft>
+              <a:buFont typeface="Arial" panose="020B0604020202020204" pitchFamily="34" charset="0"/>
+              <a:buChar char="•"/>
+            </a:pPr>
+            <a:r>
+              <a:rPr lang="en-CA" sz="2000">
+                <a:latin typeface="Calibri"/>
+                <a:ea typeface="Calibri"/>
+                <a:cs typeface="Calibri"/>
+                <a:sym typeface="Calibri"/>
+              </a:rPr>
+              <a:t>Rerun </a:t>
+            </a:r>
+            <a:r>
+              <a:rPr lang="en-CA" sz="2000" dirty="0">
+                <a:latin typeface="Calibri"/>
+                <a:ea typeface="Calibri"/>
+                <a:cs typeface="Calibri"/>
+                <a:sym typeface="Calibri"/>
+              </a:rPr>
+              <a:t>experiment with a larger action space and conduct further analysis on experiment results.</a:t>
             </a:r>
           </a:p>
           <a:p>
@@ -9321,7 +9363,7 @@
                 <a:cs typeface="Calibri"/>
                 <a:sym typeface="Calibri"/>
               </a:rPr>
-              <a:t>Certain design are too large to implement on an FPGA board, resulting in implementation failures. Suggests bit serial structures could be very valuable to research. </a:t>
+              <a:t>Certain designs are too large to implement on an FPGA board, resulting in implementation failures. Suggests bit serial structures could be very valuable to research. </a:t>
             </a:r>
           </a:p>
           <a:p>

--- a/Design Demonstration.pptx
+++ b/Design Demonstration.pptx
@@ -7853,39 +7853,6 @@
                 <a:sym typeface="Calibri"/>
               </a:rPr>
               <a:t>Prepare thesis proposal and deliver a defense of it.</a:t>
-            </a:r>
-          </a:p>
-          <a:p>
-            <a:pPr marL="342900" lvl="0" indent="-342900" algn="l" rtl="0">
-              <a:lnSpc>
-                <a:spcPct val="90000"/>
-              </a:lnSpc>
-              <a:spcBef>
-                <a:spcPts val="1000"/>
-              </a:spcBef>
-              <a:spcAft>
-                <a:spcPts val="0"/>
-              </a:spcAft>
-              <a:buFont typeface="Arial" panose="020B0604020202020204" pitchFamily="34" charset="0"/>
-              <a:buChar char="•"/>
-            </a:pPr>
-            <a:r>
-              <a:rPr lang="en-CA" sz="2000" dirty="0">
-                <a:latin typeface="Calibri"/>
-                <a:ea typeface="Calibri"/>
-                <a:cs typeface="Calibri"/>
-                <a:sym typeface="Calibri"/>
-              </a:rPr>
-              <a:t>Fix the accuracy bug in the </a:t>
-            </a:r>
-            <a:r>
-              <a:rPr lang="en-CA" sz="2000">
-                <a:latin typeface="Calibri"/>
-                <a:ea typeface="Calibri"/>
-                <a:cs typeface="Calibri"/>
-                <a:sym typeface="Calibri"/>
-              </a:rPr>
-              <a:t>prototype.</a:t>
             </a:r>
           </a:p>
           <a:p>

--- a/Design Demonstration.pptx
+++ b/Design Demonstration.pptx
@@ -207,7 +207,7 @@
           <a:p>
             <a:fld id="{0E0C8A5B-6CE0-490A-A6C0-FE2A2EE727BC}" type="datetimeFigureOut">
               <a:rPr lang="en-CA" smtClean="0"/>
-              <a:t>2025-11-23</a:t>
+              <a:t>2025-11-24</a:t>
             </a:fld>
             <a:endParaRPr lang="en-CA"/>
           </a:p>
@@ -2518,7 +2518,7 @@
           <a:p>
             <a:fld id="{D4F53733-03CD-4C94-AC3B-1554B331B698}" type="datetimeFigureOut">
               <a:rPr lang="en-CA" smtClean="0"/>
-              <a:t>2025-11-23</a:t>
+              <a:t>2025-11-24</a:t>
             </a:fld>
             <a:endParaRPr lang="en-CA"/>
           </a:p>
@@ -2718,7 +2718,7 @@
           <a:p>
             <a:fld id="{D4F53733-03CD-4C94-AC3B-1554B331B698}" type="datetimeFigureOut">
               <a:rPr lang="en-CA" smtClean="0"/>
-              <a:t>2025-11-23</a:t>
+              <a:t>2025-11-24</a:t>
             </a:fld>
             <a:endParaRPr lang="en-CA"/>
           </a:p>
@@ -2928,7 +2928,7 @@
           <a:p>
             <a:fld id="{D4F53733-03CD-4C94-AC3B-1554B331B698}" type="datetimeFigureOut">
               <a:rPr lang="en-CA" smtClean="0"/>
-              <a:t>2025-11-23</a:t>
+              <a:t>2025-11-24</a:t>
             </a:fld>
             <a:endParaRPr lang="en-CA"/>
           </a:p>
@@ -4866,7 +4866,7 @@
           <a:p>
             <a:fld id="{D4F53733-03CD-4C94-AC3B-1554B331B698}" type="datetimeFigureOut">
               <a:rPr lang="en-CA" smtClean="0"/>
-              <a:t>2025-11-23</a:t>
+              <a:t>2025-11-24</a:t>
             </a:fld>
             <a:endParaRPr lang="en-CA"/>
           </a:p>
@@ -5142,7 +5142,7 @@
           <a:p>
             <a:fld id="{D4F53733-03CD-4C94-AC3B-1554B331B698}" type="datetimeFigureOut">
               <a:rPr lang="en-CA" smtClean="0"/>
-              <a:t>2025-11-23</a:t>
+              <a:t>2025-11-24</a:t>
             </a:fld>
             <a:endParaRPr lang="en-CA"/>
           </a:p>
@@ -5410,7 +5410,7 @@
           <a:p>
             <a:fld id="{D4F53733-03CD-4C94-AC3B-1554B331B698}" type="datetimeFigureOut">
               <a:rPr lang="en-CA" smtClean="0"/>
-              <a:t>2025-11-23</a:t>
+              <a:t>2025-11-24</a:t>
             </a:fld>
             <a:endParaRPr lang="en-CA"/>
           </a:p>
@@ -5825,7 +5825,7 @@
           <a:p>
             <a:fld id="{D4F53733-03CD-4C94-AC3B-1554B331B698}" type="datetimeFigureOut">
               <a:rPr lang="en-CA" smtClean="0"/>
-              <a:t>2025-11-23</a:t>
+              <a:t>2025-11-24</a:t>
             </a:fld>
             <a:endParaRPr lang="en-CA"/>
           </a:p>
@@ -5967,7 +5967,7 @@
           <a:p>
             <a:fld id="{D4F53733-03CD-4C94-AC3B-1554B331B698}" type="datetimeFigureOut">
               <a:rPr lang="en-CA" smtClean="0"/>
-              <a:t>2025-11-23</a:t>
+              <a:t>2025-11-24</a:t>
             </a:fld>
             <a:endParaRPr lang="en-CA"/>
           </a:p>
@@ -6080,7 +6080,7 @@
           <a:p>
             <a:fld id="{D4F53733-03CD-4C94-AC3B-1554B331B698}" type="datetimeFigureOut">
               <a:rPr lang="en-CA" smtClean="0"/>
-              <a:t>2025-11-23</a:t>
+              <a:t>2025-11-24</a:t>
             </a:fld>
             <a:endParaRPr lang="en-CA"/>
           </a:p>
@@ -6393,7 +6393,7 @@
           <a:p>
             <a:fld id="{D4F53733-03CD-4C94-AC3B-1554B331B698}" type="datetimeFigureOut">
               <a:rPr lang="en-CA" smtClean="0"/>
-              <a:t>2025-11-23</a:t>
+              <a:t>2025-11-24</a:t>
             </a:fld>
             <a:endParaRPr lang="en-CA"/>
           </a:p>
@@ -6682,7 +6682,7 @@
           <a:p>
             <a:fld id="{D4F53733-03CD-4C94-AC3B-1554B331B698}" type="datetimeFigureOut">
               <a:rPr lang="en-CA" smtClean="0"/>
-              <a:t>2025-11-23</a:t>
+              <a:t>2025-11-24</a:t>
             </a:fld>
             <a:endParaRPr lang="en-CA"/>
           </a:p>
@@ -6925,7 +6925,7 @@
           <a:p>
             <a:fld id="{D4F53733-03CD-4C94-AC3B-1554B331B698}" type="datetimeFigureOut">
               <a:rPr lang="en-CA" smtClean="0"/>
-              <a:t>2025-11-23</a:t>
+              <a:t>2025-11-24</a:t>
             </a:fld>
             <a:endParaRPr lang="en-CA"/>
           </a:p>
@@ -7661,10 +7661,10 @@
       </p:sp>
       <p:pic>
         <p:nvPicPr>
-          <p:cNvPr id="10" name="Picture 9" descr="A chart with red and blue squares&#10;&#10;AI-generated content may be incorrect.">
-            <a:extLst>
-              <a:ext uri="{FF2B5EF4-FFF2-40B4-BE49-F238E27FC236}">
-                <a16:creationId xmlns:a16="http://schemas.microsoft.com/office/drawing/2014/main" id="{2A996F80-03A5-ABF2-55EE-90C51ED35CEB}"/>
+          <p:cNvPr id="3" name="Picture 2" descr="A screenshot of a diagram&#10;&#10;AI-generated content may be incorrect.">
+            <a:extLst>
+              <a:ext uri="{FF2B5EF4-FFF2-40B4-BE49-F238E27FC236}">
+                <a16:creationId xmlns:a16="http://schemas.microsoft.com/office/drawing/2014/main" id="{5B90CFCA-F3F6-C422-813D-B7A7B5FF1FAE}"/>
               </a:ext>
             </a:extLst>
           </p:cNvPr>
@@ -7687,8 +7687,8 @@
         </p:blipFill>
         <p:spPr>
           <a:xfrm>
-            <a:off x="1886850" y="1342075"/>
-            <a:ext cx="8433833" cy="5379731"/>
+            <a:off x="377940" y="1912196"/>
+            <a:ext cx="11436119" cy="4465329"/>
           </a:xfrm>
           <a:prstGeom prst="rect">
             <a:avLst/>
@@ -9490,10 +9490,10 @@
       </p:sp>
       <p:pic>
         <p:nvPicPr>
-          <p:cNvPr id="7" name="Picture 6" descr="A table of numbers and symbols&#10;&#10;AI-generated content may be incorrect.">
-            <a:extLst>
-              <a:ext uri="{FF2B5EF4-FFF2-40B4-BE49-F238E27FC236}">
-                <a16:creationId xmlns:a16="http://schemas.microsoft.com/office/drawing/2014/main" id="{818A2FB6-8478-B5E5-A641-27DDC6CF5E30}"/>
+          <p:cNvPr id="3" name="Picture 2" descr="A screenshot of a computer&#10;&#10;AI-generated content may be incorrect.">
+            <a:extLst>
+              <a:ext uri="{FF2B5EF4-FFF2-40B4-BE49-F238E27FC236}">
+                <a16:creationId xmlns:a16="http://schemas.microsoft.com/office/drawing/2014/main" id="{91CA7DEB-36AE-50E3-E5CF-7B3C8B42C57E}"/>
               </a:ext>
             </a:extLst>
           </p:cNvPr>
@@ -9516,8 +9516,8 @@
         </p:blipFill>
         <p:spPr>
           <a:xfrm>
-            <a:off x="1556596" y="758745"/>
-            <a:ext cx="9078807" cy="8401600"/>
+            <a:off x="1266825" y="1445695"/>
+            <a:ext cx="9658350" cy="6029325"/>
           </a:xfrm>
           <a:prstGeom prst="rect">
             <a:avLst/>
@@ -9610,10 +9610,10 @@
       </p:sp>
       <p:pic>
         <p:nvPicPr>
-          <p:cNvPr id="5" name="Picture 4" descr="A table with numbers and symbols&#10;&#10;AI-generated content may be incorrect.">
-            <a:extLst>
-              <a:ext uri="{FF2B5EF4-FFF2-40B4-BE49-F238E27FC236}">
-                <a16:creationId xmlns:a16="http://schemas.microsoft.com/office/drawing/2014/main" id="{834155C8-B275-9AA3-1079-F3A42E6029B6}"/>
+          <p:cNvPr id="3" name="Picture 2" descr="A screenshot of a computer&#10;&#10;AI-generated content may be incorrect.">
+            <a:extLst>
+              <a:ext uri="{FF2B5EF4-FFF2-40B4-BE49-F238E27FC236}">
+                <a16:creationId xmlns:a16="http://schemas.microsoft.com/office/drawing/2014/main" id="{F6176500-E73B-8549-14BC-ED61537D83D8}"/>
               </a:ext>
             </a:extLst>
           </p:cNvPr>
@@ -9636,8 +9636,8 @@
         </p:blipFill>
         <p:spPr>
           <a:xfrm>
-            <a:off x="86730" y="2436022"/>
-            <a:ext cx="12018539" cy="2940019"/>
+            <a:off x="47625" y="2128837"/>
+            <a:ext cx="12096750" cy="2600325"/>
           </a:xfrm>
           <a:prstGeom prst="rect">
             <a:avLst/>
